--- a/Chapter 13_legacy Systems.pptx
+++ b/Chapter 13_legacy Systems.pptx
@@ -408,7 +408,7 @@
           <a:p>
             <a:fld id="{0CD685E9-9182-41A2-9872-2BD555C53804}" type="datetimeFigureOut">
               <a:rPr lang="en-US" smtClean="0"/>
-              <a:t>8/30/2025</a:t>
+              <a:t>9/4/2025</a:t>
             </a:fld>
             <a:endParaRPr lang="en-US"/>
           </a:p>

--- a/Chapter 13_legacy Systems.pptx
+++ b/Chapter 13_legacy Systems.pptx
@@ -5,10 +5,10 @@
     <p:sldMasterId id="2147483659" r:id="rId1"/>
   </p:sldMasterIdLst>
   <p:notesMasterIdLst>
-    <p:notesMasterId r:id="rId38"/>
+    <p:notesMasterId r:id="rId40"/>
   </p:notesMasterIdLst>
   <p:handoutMasterIdLst>
-    <p:handoutMasterId r:id="rId39"/>
+    <p:handoutMasterId r:id="rId41"/>
   </p:handoutMasterIdLst>
   <p:sldIdLst>
     <p:sldId id="256" r:id="rId2"/>
@@ -46,24 +46,26 @@
     <p:sldId id="302" r:id="rId34"/>
     <p:sldId id="303" r:id="rId35"/>
     <p:sldId id="309" r:id="rId36"/>
-    <p:sldId id="319" r:id="rId37"/>
+    <p:sldId id="321" r:id="rId37"/>
+    <p:sldId id="319" r:id="rId38"/>
+    <p:sldId id="322" r:id="rId39"/>
   </p:sldIdLst>
   <p:sldSz cx="9144000" cy="5143500" type="screen16x9"/>
   <p:notesSz cx="6858000" cy="9144000"/>
   <p:embeddedFontLst>
     <p:embeddedFont>
       <p:font typeface="Lato" panose="020F0502020204030203" pitchFamily="34" charset="0"/>
-      <p:regular r:id="rId40"/>
-      <p:bold r:id="rId41"/>
-      <p:italic r:id="rId42"/>
-      <p:boldItalic r:id="rId43"/>
+      <p:regular r:id="rId42"/>
+      <p:bold r:id="rId43"/>
+      <p:italic r:id="rId44"/>
+      <p:boldItalic r:id="rId45"/>
     </p:embeddedFont>
     <p:embeddedFont>
       <p:font typeface="Raleway" pitchFamily="2" charset="0"/>
-      <p:regular r:id="rId44"/>
-      <p:bold r:id="rId45"/>
-      <p:italic r:id="rId46"/>
-      <p:boldItalic r:id="rId47"/>
+      <p:regular r:id="rId46"/>
+      <p:bold r:id="rId47"/>
+      <p:italic r:id="rId48"/>
+      <p:boldItalic r:id="rId49"/>
     </p:embeddedFont>
   </p:embeddedFontLst>
   <p:defaultTextStyle>
@@ -408,7 +410,7 @@
           <a:p>
             <a:fld id="{0CD685E9-9182-41A2-9872-2BD555C53804}" type="datetimeFigureOut">
               <a:rPr lang="en-US" smtClean="0"/>
-              <a:t>9/4/2025</a:t>
+              <a:t>9/16/2025</a:t>
             </a:fld>
             <a:endParaRPr lang="en-US"/>
           </a:p>
@@ -11216,6 +11218,63 @@
           </a:ln>
         </p:spPr>
       </p:pic>
+      <p:sp>
+        <p:nvSpPr>
+          <p:cNvPr id="3" name="TextBox 2">
+            <a:extLst>
+              <a:ext uri="{FF2B5EF4-FFF2-40B4-BE49-F238E27FC236}">
+                <a16:creationId xmlns:a16="http://schemas.microsoft.com/office/drawing/2014/main" id="{324CD595-C6F4-D548-D76B-85C322737CEB}"/>
+              </a:ext>
+            </a:extLst>
+          </p:cNvPr>
+          <p:cNvSpPr txBox="1"/>
+          <p:nvPr/>
+        </p:nvSpPr>
+        <p:spPr>
+          <a:xfrm>
+            <a:off x="588819" y="2571750"/>
+            <a:ext cx="1967346" cy="307777"/>
+          </a:xfrm>
+          <a:prstGeom prst="rect">
+            <a:avLst/>
+          </a:prstGeom>
+          <a:noFill/>
+        </p:spPr>
+        <p:txBody>
+          <a:bodyPr wrap="square">
+            <a:spAutoFit/>
+          </a:bodyPr>
+          <a:lstStyle/>
+          <a:p>
+            <a:r>
+              <a:rPr lang="en" dirty="0">
+                <a:solidFill>
+                  <a:srgbClr val="000000"/>
+                </a:solidFill>
+              </a:rPr>
+              <a:t>R </a:t>
+            </a:r>
+            <a:r>
+              <a:rPr lang="en" dirty="0">
+                <a:solidFill>
+                  <a:srgbClr val="000000"/>
+                </a:solidFill>
+                <a:sym typeface="Wingdings" panose="05000000000000000000" pitchFamily="2" charset="2"/>
+              </a:rPr>
+              <a:t> PTPMP  R</a:t>
+            </a:r>
+            <a:r>
+              <a:rPr lang="en" dirty="0">
+                <a:solidFill>
+                  <a:srgbClr val="000000"/>
+                </a:solidFill>
+              </a:rPr>
+              <a:t> </a:t>
+            </a:r>
+            <a:endParaRPr lang="en-US" dirty="0"/>
+          </a:p>
+        </p:txBody>
+      </p:sp>
     </p:spTree>
   </p:cSld>
   <p:clrMapOvr>
@@ -11616,11 +11675,19 @@
                   <a:srgbClr val="000000"/>
                 </a:solidFill>
               </a:rPr>
-              <a:t>Screen scraping is a common form of wrapping in which modern graphical interfaces are used to replace text-based interfaces. </a:t>
+              <a:t>Screen scraping is a common form of wrapping in which modern graphical interfaces are used to </a:t>
+            </a:r>
+            <a:r>
+              <a:rPr lang="en" dirty="0">
+                <a:solidFill>
+                  <a:srgbClr val="0070C0"/>
+                </a:solidFill>
+              </a:rPr>
+              <a:t>replace text-based interfaces. </a:t>
             </a:r>
             <a:endParaRPr dirty="0">
               <a:solidFill>
-                <a:srgbClr val="000000"/>
+                <a:srgbClr val="0070C0"/>
               </a:solidFill>
             </a:endParaRPr>
           </a:p>
@@ -11640,7 +11707,23 @@
                   <a:srgbClr val="000000"/>
                 </a:solidFill>
               </a:rPr>
-              <a:t>Screen scraping is a short-term solution to a larger problem. Many serious issues are not addressed by simply mounting a GUI on a legacy system. For example, screen scraping…</a:t>
+              <a:t>Screen scraping is a short-term solution to a larger problem. Many serious issues are not addressed by simply mounting a </a:t>
+            </a:r>
+            <a:r>
+              <a:rPr lang="en" dirty="0">
+                <a:solidFill>
+                  <a:srgbClr val="0070C0"/>
+                </a:solidFill>
+              </a:rPr>
+              <a:t>GUI</a:t>
+            </a:r>
+            <a:r>
+              <a:rPr lang="en" dirty="0">
+                <a:solidFill>
+                  <a:srgbClr val="000000"/>
+                </a:solidFill>
+              </a:rPr>
+              <a:t> on a legacy system. For example, screen scraping…</a:t>
             </a:r>
           </a:p>
           <a:p>
@@ -17662,7 +17745,12 @@
             <p:ph type="title"/>
           </p:nvPr>
         </p:nvSpPr>
-        <p:spPr/>
+        <p:spPr>
+          <a:xfrm>
+            <a:off x="677358" y="535925"/>
+            <a:ext cx="8251895" cy="535200"/>
+          </a:xfrm>
+        </p:spPr>
         <p:txBody>
           <a:bodyPr>
             <a:normAutofit fontScale="90000"/>
@@ -17696,7 +17784,12 @@
             <p:ph type="body" idx="1"/>
           </p:nvPr>
         </p:nvSpPr>
-        <p:spPr/>
+        <p:spPr>
+          <a:xfrm>
+            <a:off x="677358" y="4417239"/>
+            <a:ext cx="7688700" cy="657764"/>
+          </a:xfrm>
+        </p:spPr>
         <p:txBody>
           <a:bodyPr/>
           <a:lstStyle/>
@@ -17717,6 +17810,36 @@
           </a:p>
         </p:txBody>
       </p:sp>
+      <p:pic>
+        <p:nvPicPr>
+          <p:cNvPr id="5" name="Picture 4">
+            <a:extLst>
+              <a:ext uri="{FF2B5EF4-FFF2-40B4-BE49-F238E27FC236}">
+                <a16:creationId xmlns:a16="http://schemas.microsoft.com/office/drawing/2014/main" id="{CB3E3FDE-3441-19B8-9485-3E782EACFFFE}"/>
+              </a:ext>
+            </a:extLst>
+          </p:cNvPr>
+          <p:cNvPicPr>
+            <a:picLocks noChangeAspect="1"/>
+          </p:cNvPicPr>
+          <p:nvPr/>
+        </p:nvPicPr>
+        <p:blipFill>
+          <a:blip r:embed="rId3"/>
+          <a:stretch>
+            <a:fillRect/>
+          </a:stretch>
+        </p:blipFill>
+        <p:spPr>
+          <a:xfrm>
+            <a:off x="1814042" y="1288689"/>
+            <a:ext cx="5840594" cy="3008558"/>
+          </a:xfrm>
+          <a:prstGeom prst="rect">
+            <a:avLst/>
+          </a:prstGeom>
+        </p:spPr>
+      </p:pic>
     </p:spTree>
     <p:extLst>
       <p:ext uri="{BB962C8B-B14F-4D97-AF65-F5344CB8AC3E}">
@@ -17731,6 +17854,333 @@
 </file>
 
 <file path=ppt/slides/slide36.xml><?xml version="1.0" encoding="utf-8"?>
+<p:sld xmlns:a="http://schemas.openxmlformats.org/drawingml/2006/main" xmlns:r="http://schemas.openxmlformats.org/officeDocument/2006/relationships" xmlns:p="http://schemas.openxmlformats.org/presentationml/2006/main">
+  <p:cSld>
+    <p:spTree>
+      <p:nvGrpSpPr>
+        <p:cNvPr id="1" name="">
+          <a:extLst>
+            <a:ext uri="{FF2B5EF4-FFF2-40B4-BE49-F238E27FC236}">
+              <a16:creationId xmlns:a16="http://schemas.microsoft.com/office/drawing/2014/main" id="{10E94738-01CA-8456-9755-C2610DB20334}"/>
+            </a:ext>
+          </a:extLst>
+        </p:cNvPr>
+        <p:cNvGrpSpPr/>
+        <p:nvPr/>
+      </p:nvGrpSpPr>
+      <p:grpSpPr>
+        <a:xfrm>
+          <a:off x="0" y="0"/>
+          <a:ext cx="0" cy="0"/>
+          <a:chOff x="0" y="0"/>
+          <a:chExt cx="0" cy="0"/>
+        </a:xfrm>
+      </p:grpSpPr>
+      <p:sp>
+        <p:nvSpPr>
+          <p:cNvPr id="2" name="Title 1">
+            <a:extLst>
+              <a:ext uri="{FF2B5EF4-FFF2-40B4-BE49-F238E27FC236}">
+                <a16:creationId xmlns:a16="http://schemas.microsoft.com/office/drawing/2014/main" id="{926BECFE-2BBB-36BF-2636-E1282A0A34C5}"/>
+              </a:ext>
+            </a:extLst>
+          </p:cNvPr>
+          <p:cNvSpPr>
+            <a:spLocks noGrp="1"/>
+          </p:cNvSpPr>
+          <p:nvPr>
+            <p:ph type="title"/>
+          </p:nvPr>
+        </p:nvSpPr>
+        <p:spPr>
+          <a:xfrm>
+            <a:off x="677358" y="535925"/>
+            <a:ext cx="8251895" cy="535200"/>
+          </a:xfrm>
+        </p:spPr>
+        <p:txBody>
+          <a:bodyPr>
+            <a:normAutofit fontScale="90000"/>
+          </a:bodyPr>
+          <a:lstStyle/>
+          <a:p>
+            <a:r>
+              <a:rPr lang="en-US" dirty="0"/>
+              <a:t>Challenges And Strategies For Legacy System Migration</a:t>
+            </a:r>
+            <a:br>
+              <a:rPr lang="en-US" dirty="0"/>
+            </a:br>
+            <a:endParaRPr lang="en-US" dirty="0"/>
+          </a:p>
+        </p:txBody>
+      </p:sp>
+      <p:sp>
+        <p:nvSpPr>
+          <p:cNvPr id="3" name="Text Placeholder 2">
+            <a:extLst>
+              <a:ext uri="{FF2B5EF4-FFF2-40B4-BE49-F238E27FC236}">
+                <a16:creationId xmlns:a16="http://schemas.microsoft.com/office/drawing/2014/main" id="{84903651-080E-6A0C-689F-A9E1173A20E3}"/>
+              </a:ext>
+            </a:extLst>
+          </p:cNvPr>
+          <p:cNvSpPr>
+            <a:spLocks noGrp="1"/>
+          </p:cNvSpPr>
+          <p:nvPr>
+            <p:ph type="body" idx="1"/>
+          </p:nvPr>
+        </p:nvSpPr>
+        <p:spPr>
+          <a:xfrm>
+            <a:off x="677358" y="4417239"/>
+            <a:ext cx="7688700" cy="657764"/>
+          </a:xfrm>
+        </p:spPr>
+        <p:txBody>
+          <a:bodyPr/>
+          <a:lstStyle/>
+          <a:p>
+            <a:pPr marL="146050" indent="0">
+              <a:buNone/>
+            </a:pPr>
+            <a:r>
+              <a:rPr lang="en-US" dirty="0">
+                <a:hlinkClick r:id="rId2"/>
+              </a:rPr>
+              <a:t>https://medium.com/@amandubey_6607/challenges-and-strategies-for-legacy-system-migration-bca1181d14d2</a:t>
+            </a:r>
+            <a:endParaRPr lang="en-US" dirty="0"/>
+          </a:p>
+          <a:p>
+            <a:endParaRPr lang="en-US" dirty="0"/>
+          </a:p>
+        </p:txBody>
+      </p:sp>
+      <p:sp>
+        <p:nvSpPr>
+          <p:cNvPr id="6" name="TextBox 5">
+            <a:extLst>
+              <a:ext uri="{FF2B5EF4-FFF2-40B4-BE49-F238E27FC236}">
+                <a16:creationId xmlns:a16="http://schemas.microsoft.com/office/drawing/2014/main" id="{85F7055C-9CF0-6CC8-6E7D-68F7F969FD3A}"/>
+              </a:ext>
+            </a:extLst>
+          </p:cNvPr>
+          <p:cNvSpPr txBox="1"/>
+          <p:nvPr/>
+        </p:nvSpPr>
+        <p:spPr>
+          <a:xfrm>
+            <a:off x="2286000" y="1419204"/>
+            <a:ext cx="4572000" cy="2649956"/>
+          </a:xfrm>
+          <a:prstGeom prst="rect">
+            <a:avLst/>
+          </a:prstGeom>
+          <a:noFill/>
+        </p:spPr>
+        <p:txBody>
+          <a:bodyPr wrap="square">
+            <a:spAutoFit/>
+          </a:bodyPr>
+          <a:lstStyle/>
+          <a:p>
+            <a:pPr>
+              <a:buNone/>
+            </a:pPr>
+            <a:r>
+              <a:rPr lang="en-US" sz="1385" dirty="0">
+                <a:latin typeface="Lato"/>
+                <a:ea typeface="Lato"/>
+                <a:cs typeface="Lato"/>
+                <a:sym typeface="Lato"/>
+              </a:rPr>
+              <a:t>Migration Strategies</a:t>
+            </a:r>
+            <a:br>
+              <a:rPr lang="en-US" sz="1385" dirty="0">
+                <a:latin typeface="Lato"/>
+                <a:ea typeface="Lato"/>
+                <a:cs typeface="Lato"/>
+                <a:sym typeface="Lato"/>
+              </a:rPr>
+            </a:br>
+            <a:r>
+              <a:rPr lang="en-US" sz="1385" dirty="0">
+                <a:latin typeface="Lato"/>
+                <a:ea typeface="Lato"/>
+                <a:cs typeface="Lato"/>
+                <a:sym typeface="Lato"/>
+              </a:rPr>
+              <a:t> </a:t>
+            </a:r>
+          </a:p>
+          <a:p>
+            <a:pPr>
+              <a:buFont typeface="Arial" panose="020B0604020202020204" pitchFamily="34" charset="0"/>
+              <a:buChar char="•"/>
+            </a:pPr>
+            <a:r>
+              <a:rPr lang="en-US" sz="1385" dirty="0">
+                <a:latin typeface="Lato"/>
+                <a:ea typeface="Lato"/>
+                <a:cs typeface="Lato"/>
+                <a:sym typeface="Lato"/>
+              </a:rPr>
+              <a:t> Thorough assessment</a:t>
+            </a:r>
+          </a:p>
+          <a:p>
+            <a:pPr>
+              <a:buFont typeface="Arial" panose="020B0604020202020204" pitchFamily="34" charset="0"/>
+              <a:buChar char="•"/>
+            </a:pPr>
+            <a:r>
+              <a:rPr lang="en-US" sz="1385" dirty="0">
+                <a:latin typeface="Lato"/>
+                <a:ea typeface="Lato"/>
+                <a:cs typeface="Lato"/>
+                <a:sym typeface="Lato"/>
+              </a:rPr>
+              <a:t> Clear objectives</a:t>
+            </a:r>
+          </a:p>
+          <a:p>
+            <a:pPr>
+              <a:buFont typeface="Arial" panose="020B0604020202020204" pitchFamily="34" charset="0"/>
+              <a:buChar char="•"/>
+            </a:pPr>
+            <a:r>
+              <a:rPr lang="en-US" sz="1385" dirty="0">
+                <a:latin typeface="Lato"/>
+                <a:ea typeface="Lato"/>
+                <a:cs typeface="Lato"/>
+                <a:sym typeface="Lato"/>
+              </a:rPr>
+              <a:t> Detailed planning</a:t>
+            </a:r>
+          </a:p>
+          <a:p>
+            <a:pPr>
+              <a:buFont typeface="Arial" panose="020B0604020202020204" pitchFamily="34" charset="0"/>
+              <a:buChar char="•"/>
+            </a:pPr>
+            <a:r>
+              <a:rPr lang="en-US" sz="1385" dirty="0">
+                <a:latin typeface="Lato"/>
+                <a:ea typeface="Lato"/>
+                <a:cs typeface="Lato"/>
+                <a:sym typeface="Lato"/>
+              </a:rPr>
+              <a:t> Pilot project</a:t>
+            </a:r>
+          </a:p>
+          <a:p>
+            <a:pPr>
+              <a:buFont typeface="Arial" panose="020B0604020202020204" pitchFamily="34" charset="0"/>
+              <a:buChar char="•"/>
+            </a:pPr>
+            <a:r>
+              <a:rPr lang="en-US" sz="1385" dirty="0">
+                <a:latin typeface="Lato"/>
+                <a:ea typeface="Lato"/>
+                <a:cs typeface="Lato"/>
+                <a:sym typeface="Lato"/>
+              </a:rPr>
+              <a:t> Data integrity</a:t>
+            </a:r>
+          </a:p>
+          <a:p>
+            <a:pPr>
+              <a:buFont typeface="Arial" panose="020B0604020202020204" pitchFamily="34" charset="0"/>
+              <a:buChar char="•"/>
+            </a:pPr>
+            <a:r>
+              <a:rPr lang="en-US" sz="1385" dirty="0">
+                <a:latin typeface="Lato"/>
+                <a:ea typeface="Lato"/>
+                <a:cs typeface="Lato"/>
+                <a:sym typeface="Lato"/>
+              </a:rPr>
+              <a:t> Phased approach</a:t>
+            </a:r>
+          </a:p>
+          <a:p>
+            <a:pPr>
+              <a:buFont typeface="Arial" panose="020B0604020202020204" pitchFamily="34" charset="0"/>
+              <a:buChar char="•"/>
+            </a:pPr>
+            <a:r>
+              <a:rPr lang="en-US" sz="1385" dirty="0">
+                <a:latin typeface="Lato"/>
+                <a:ea typeface="Lato"/>
+                <a:cs typeface="Lato"/>
+                <a:sym typeface="Lato"/>
+              </a:rPr>
+              <a:t> User engagement</a:t>
+            </a:r>
+          </a:p>
+          <a:p>
+            <a:pPr>
+              <a:buFont typeface="Arial" panose="020B0604020202020204" pitchFamily="34" charset="0"/>
+              <a:buChar char="•"/>
+            </a:pPr>
+            <a:r>
+              <a:rPr lang="en-US" sz="1385" dirty="0">
+                <a:latin typeface="Lato"/>
+                <a:ea typeface="Lato"/>
+                <a:cs typeface="Lato"/>
+                <a:sym typeface="Lato"/>
+              </a:rPr>
+              <a:t> Rigorous testing</a:t>
+            </a:r>
+          </a:p>
+          <a:p>
+            <a:pPr>
+              <a:buFont typeface="Arial" panose="020B0604020202020204" pitchFamily="34" charset="0"/>
+              <a:buChar char="•"/>
+            </a:pPr>
+            <a:r>
+              <a:rPr lang="en-US" sz="1385" dirty="0">
+                <a:latin typeface="Lato"/>
+                <a:ea typeface="Lato"/>
+                <a:cs typeface="Lato"/>
+                <a:sym typeface="Lato"/>
+              </a:rPr>
+              <a:t> Process documentation</a:t>
+            </a:r>
+          </a:p>
+          <a:p>
+            <a:pPr>
+              <a:buFont typeface="Arial" panose="020B0604020202020204" pitchFamily="34" charset="0"/>
+              <a:buChar char="•"/>
+            </a:pPr>
+            <a:r>
+              <a:rPr lang="en-US" sz="1385" dirty="0">
+                <a:latin typeface="Lato"/>
+                <a:ea typeface="Lato"/>
+                <a:cs typeface="Lato"/>
+                <a:sym typeface="Lato"/>
+              </a:rPr>
+              <a:t> Continuous monitoring</a:t>
+            </a:r>
+          </a:p>
+        </p:txBody>
+      </p:sp>
+    </p:spTree>
+    <p:extLst>
+      <p:ext uri="{BB962C8B-B14F-4D97-AF65-F5344CB8AC3E}">
+        <p14:creationId xmlns:p14="http://schemas.microsoft.com/office/powerpoint/2010/main" val="2808527829"/>
+      </p:ext>
+    </p:extLst>
+  </p:cSld>
+  <p:clrMapOvr>
+    <a:masterClrMapping/>
+  </p:clrMapOvr>
+</p:sld>
+</file>
+
+<file path=ppt/slides/slide37.xml><?xml version="1.0" encoding="utf-8"?>
 <p:sld xmlns:a="http://schemas.openxmlformats.org/drawingml/2006/main" xmlns:r="http://schemas.openxmlformats.org/officeDocument/2006/relationships" xmlns:p="http://schemas.openxmlformats.org/presentationml/2006/main">
   <p:cSld>
     <p:spTree>
@@ -17763,7 +18213,12 @@
             <p:ph type="title"/>
           </p:nvPr>
         </p:nvSpPr>
-        <p:spPr/>
+        <p:spPr>
+          <a:xfrm>
+            <a:off x="727650" y="638365"/>
+            <a:ext cx="7688700" cy="535200"/>
+          </a:xfrm>
+        </p:spPr>
         <p:txBody>
           <a:bodyPr>
             <a:normAutofit fontScale="90000"/>
@@ -17793,9 +18248,16 @@
             <p:ph type="body" idx="1"/>
           </p:nvPr>
         </p:nvSpPr>
-        <p:spPr/>
+        <p:spPr>
+          <a:xfrm>
+            <a:off x="727650" y="4468784"/>
+            <a:ext cx="7688700" cy="401089"/>
+          </a:xfrm>
+        </p:spPr>
         <p:txBody>
-          <a:bodyPr/>
+          <a:bodyPr>
+            <a:normAutofit lnSpcReduction="10000"/>
+          </a:bodyPr>
           <a:lstStyle/>
           <a:p>
             <a:pPr marL="146050" indent="0">
@@ -17808,6 +18270,205 @@
               <a:t>https://cloudfuel.eu/blog/how-to-prepare-your-application-portfolio-for-cloud-migrations/</a:t>
             </a:r>
             <a:endParaRPr lang="en-US" dirty="0"/>
+          </a:p>
+        </p:txBody>
+      </p:sp>
+      <p:sp>
+        <p:nvSpPr>
+          <p:cNvPr id="5" name="TextBox 4">
+            <a:extLst>
+              <a:ext uri="{FF2B5EF4-FFF2-40B4-BE49-F238E27FC236}">
+                <a16:creationId xmlns:a16="http://schemas.microsoft.com/office/drawing/2014/main" id="{9C28D32E-D8AD-F99A-8D60-54F8D1CF6D09}"/>
+              </a:ext>
+            </a:extLst>
+          </p:cNvPr>
+          <p:cNvSpPr txBox="1"/>
+          <p:nvPr/>
+        </p:nvSpPr>
+        <p:spPr>
+          <a:xfrm>
+            <a:off x="727649" y="1442150"/>
+            <a:ext cx="8291659" cy="518604"/>
+          </a:xfrm>
+          <a:prstGeom prst="rect">
+            <a:avLst/>
+          </a:prstGeom>
+          <a:noFill/>
+        </p:spPr>
+        <p:txBody>
+          <a:bodyPr wrap="square">
+            <a:spAutoFit/>
+          </a:bodyPr>
+          <a:lstStyle/>
+          <a:p>
+            <a:r>
+              <a:rPr lang="en-US" sz="1385" dirty="0">
+                <a:solidFill>
+                  <a:srgbClr val="0070C0"/>
+                </a:solidFill>
+                <a:latin typeface="Lato"/>
+                <a:ea typeface="Lato"/>
+                <a:cs typeface="Lato"/>
+              </a:rPr>
+              <a:t>Cloud migration </a:t>
+            </a:r>
+            <a:r>
+              <a:rPr lang="en-US" sz="1385" dirty="0">
+                <a:latin typeface="Lato"/>
+                <a:ea typeface="Lato"/>
+                <a:cs typeface="Lato"/>
+              </a:rPr>
+              <a:t>is the process of </a:t>
+            </a:r>
+            <a:r>
+              <a:rPr lang="en-US" sz="1385" dirty="0">
+                <a:solidFill>
+                  <a:srgbClr val="0070C0"/>
+                </a:solidFill>
+                <a:latin typeface="Lato"/>
+                <a:ea typeface="Lato"/>
+                <a:cs typeface="Lato"/>
+              </a:rPr>
+              <a:t>moving</a:t>
+            </a:r>
+            <a:r>
+              <a:rPr lang="en-US" sz="1385" dirty="0">
+                <a:latin typeface="Lato"/>
+                <a:ea typeface="Lato"/>
+                <a:cs typeface="Lato"/>
+              </a:rPr>
+              <a:t> applications, data, </a:t>
+            </a:r>
+            <a:r>
+              <a:rPr lang="en-US" sz="1385" dirty="0">
+                <a:latin typeface="Lato"/>
+                <a:ea typeface="Lato"/>
+                <a:cs typeface="Lato"/>
+                <a:sym typeface="Lato"/>
+              </a:rPr>
+              <a:t>and infrastructure from on-premises environments to cloud-based platforms.</a:t>
+            </a:r>
+          </a:p>
+        </p:txBody>
+      </p:sp>
+      <p:sp>
+        <p:nvSpPr>
+          <p:cNvPr id="7" name="TextBox 6">
+            <a:extLst>
+              <a:ext uri="{FF2B5EF4-FFF2-40B4-BE49-F238E27FC236}">
+                <a16:creationId xmlns:a16="http://schemas.microsoft.com/office/drawing/2014/main" id="{A0C964FD-863D-75E0-884B-D35961F8740A}"/>
+              </a:ext>
+            </a:extLst>
+          </p:cNvPr>
+          <p:cNvSpPr txBox="1"/>
+          <p:nvPr/>
+        </p:nvSpPr>
+        <p:spPr>
+          <a:xfrm>
+            <a:off x="727649" y="2444083"/>
+            <a:ext cx="7688700" cy="1158009"/>
+          </a:xfrm>
+          <a:prstGeom prst="rect">
+            <a:avLst/>
+          </a:prstGeom>
+          <a:noFill/>
+        </p:spPr>
+        <p:txBody>
+          <a:bodyPr wrap="square">
+            <a:spAutoFit/>
+          </a:bodyPr>
+          <a:lstStyle/>
+          <a:p>
+            <a:r>
+              <a:rPr lang="en-US" sz="1385" u="sng" dirty="0">
+                <a:latin typeface="Lato"/>
+                <a:ea typeface="Lato"/>
+                <a:cs typeface="Lato"/>
+              </a:rPr>
+              <a:t>When to use it</a:t>
+            </a:r>
+            <a:r>
+              <a:rPr lang="en-US" sz="1385" dirty="0">
+                <a:latin typeface="Lato"/>
+                <a:ea typeface="Lato"/>
+                <a:cs typeface="Lato"/>
+              </a:rPr>
+              <a:t>: when you need improved scalability, cost optimization, operational efficiency, or enhanced collaboration between </a:t>
+            </a:r>
+            <a:r>
+              <a:rPr lang="en-US" sz="1385" dirty="0">
+                <a:solidFill>
+                  <a:srgbClr val="0070C0"/>
+                </a:solidFill>
+                <a:latin typeface="Lato"/>
+                <a:ea typeface="Lato"/>
+                <a:cs typeface="Lato"/>
+              </a:rPr>
+              <a:t>development</a:t>
+            </a:r>
+            <a:r>
+              <a:rPr lang="en-US" sz="1385" dirty="0">
+                <a:latin typeface="Lato"/>
+                <a:ea typeface="Lato"/>
+                <a:cs typeface="Lato"/>
+              </a:rPr>
+              <a:t> and </a:t>
+            </a:r>
+            <a:r>
+              <a:rPr lang="en-US" sz="1385" dirty="0">
+                <a:solidFill>
+                  <a:srgbClr val="0070C0"/>
+                </a:solidFill>
+                <a:latin typeface="Lato"/>
+                <a:ea typeface="Lato"/>
+                <a:cs typeface="Lato"/>
+              </a:rPr>
+              <a:t>operations</a:t>
+            </a:r>
+            <a:r>
+              <a:rPr lang="en-US" sz="1385" dirty="0">
+                <a:latin typeface="Lato"/>
+                <a:ea typeface="Lato"/>
+                <a:cs typeface="Lato"/>
+              </a:rPr>
+              <a:t> teams. </a:t>
+            </a:r>
+          </a:p>
+          <a:p>
+            <a:endParaRPr lang="en-US" sz="1385" dirty="0">
+              <a:latin typeface="Lato"/>
+              <a:ea typeface="Lato"/>
+              <a:cs typeface="Lato"/>
+            </a:endParaRPr>
+          </a:p>
+          <a:p>
+            <a:r>
+              <a:rPr lang="en-US" sz="1385" dirty="0">
+                <a:latin typeface="Lato"/>
+                <a:ea typeface="Lato"/>
+                <a:cs typeface="Lato"/>
+              </a:rPr>
+              <a:t>It's particularly valuable for organizations seeking to </a:t>
+            </a:r>
+            <a:r>
+              <a:rPr lang="en-US" sz="1385" dirty="0">
+                <a:solidFill>
+                  <a:srgbClr val="0070C0"/>
+                </a:solidFill>
+                <a:latin typeface="Lato"/>
+                <a:ea typeface="Lato"/>
+                <a:cs typeface="Lato"/>
+              </a:rPr>
+              <a:t>modernize</a:t>
+            </a:r>
+            <a:r>
+              <a:rPr lang="en-US" sz="1385" dirty="0">
+                <a:latin typeface="Lato"/>
+                <a:ea typeface="Lato"/>
+                <a:cs typeface="Lato"/>
+              </a:rPr>
+              <a:t> legacy systems and leverage cloud-native benefits.</a:t>
+            </a:r>
           </a:p>
         </p:txBody>
       </p:sp>
@@ -17815,6 +18476,274 @@
     <p:extLst>
       <p:ext uri="{BB962C8B-B14F-4D97-AF65-F5344CB8AC3E}">
         <p14:creationId xmlns:p14="http://schemas.microsoft.com/office/powerpoint/2010/main" val="883002061"/>
+      </p:ext>
+    </p:extLst>
+  </p:cSld>
+  <p:clrMapOvr>
+    <a:masterClrMapping/>
+  </p:clrMapOvr>
+</p:sld>
+</file>
+
+<file path=ppt/slides/slide38.xml><?xml version="1.0" encoding="utf-8"?>
+<p:sld xmlns:a="http://schemas.openxmlformats.org/drawingml/2006/main" xmlns:r="http://schemas.openxmlformats.org/officeDocument/2006/relationships" xmlns:p="http://schemas.openxmlformats.org/presentationml/2006/main">
+  <p:cSld>
+    <p:spTree>
+      <p:nvGrpSpPr>
+        <p:cNvPr id="1" name="">
+          <a:extLst>
+            <a:ext uri="{FF2B5EF4-FFF2-40B4-BE49-F238E27FC236}">
+              <a16:creationId xmlns:a16="http://schemas.microsoft.com/office/drawing/2014/main" id="{10822B1D-5DAD-6B18-3E39-8241C91FE8A0}"/>
+            </a:ext>
+          </a:extLst>
+        </p:cNvPr>
+        <p:cNvGrpSpPr/>
+        <p:nvPr/>
+      </p:nvGrpSpPr>
+      <p:grpSpPr>
+        <a:xfrm>
+          <a:off x="0" y="0"/>
+          <a:ext cx="0" cy="0"/>
+          <a:chOff x="0" y="0"/>
+          <a:chExt cx="0" cy="0"/>
+        </a:xfrm>
+      </p:grpSpPr>
+      <p:sp>
+        <p:nvSpPr>
+          <p:cNvPr id="2" name="Title 1">
+            <a:extLst>
+              <a:ext uri="{FF2B5EF4-FFF2-40B4-BE49-F238E27FC236}">
+                <a16:creationId xmlns:a16="http://schemas.microsoft.com/office/drawing/2014/main" id="{C0BA5089-1EBA-7DE2-4640-982D6C0982F9}"/>
+              </a:ext>
+            </a:extLst>
+          </p:cNvPr>
+          <p:cNvSpPr>
+            <a:spLocks noGrp="1"/>
+          </p:cNvSpPr>
+          <p:nvPr>
+            <p:ph type="title"/>
+          </p:nvPr>
+        </p:nvSpPr>
+        <p:spPr>
+          <a:xfrm>
+            <a:off x="727650" y="638365"/>
+            <a:ext cx="7688700" cy="535200"/>
+          </a:xfrm>
+        </p:spPr>
+        <p:txBody>
+          <a:bodyPr>
+            <a:normAutofit fontScale="90000"/>
+          </a:bodyPr>
+          <a:lstStyle/>
+          <a:p>
+            <a:r>
+              <a:rPr lang="en-US" dirty="0"/>
+              <a:t>Cloud Migration</a:t>
+            </a:r>
+          </a:p>
+        </p:txBody>
+      </p:sp>
+      <p:sp>
+        <p:nvSpPr>
+          <p:cNvPr id="3" name="Text Placeholder 2">
+            <a:extLst>
+              <a:ext uri="{FF2B5EF4-FFF2-40B4-BE49-F238E27FC236}">
+                <a16:creationId xmlns:a16="http://schemas.microsoft.com/office/drawing/2014/main" id="{488A1E5A-A829-786E-34E4-F7507A72D11E}"/>
+              </a:ext>
+            </a:extLst>
+          </p:cNvPr>
+          <p:cNvSpPr>
+            <a:spLocks noGrp="1"/>
+          </p:cNvSpPr>
+          <p:nvPr>
+            <p:ph type="body" idx="1"/>
+          </p:nvPr>
+        </p:nvSpPr>
+        <p:spPr>
+          <a:xfrm>
+            <a:off x="727650" y="4669675"/>
+            <a:ext cx="7688700" cy="401089"/>
+          </a:xfrm>
+        </p:spPr>
+        <p:txBody>
+          <a:bodyPr>
+            <a:normAutofit lnSpcReduction="10000"/>
+          </a:bodyPr>
+          <a:lstStyle/>
+          <a:p>
+            <a:pPr marL="146050" indent="0">
+              <a:buNone/>
+            </a:pPr>
+            <a:r>
+              <a:rPr lang="en-US" dirty="0">
+                <a:hlinkClick r:id="rId2"/>
+              </a:rPr>
+              <a:t>https://cloudfuel.eu/blog/how-to-prepare-your-application-portfolio-for-cloud-migrations/</a:t>
+            </a:r>
+            <a:endParaRPr lang="en-US" dirty="0"/>
+          </a:p>
+        </p:txBody>
+      </p:sp>
+      <p:sp>
+        <p:nvSpPr>
+          <p:cNvPr id="7" name="TextBox 6">
+            <a:extLst>
+              <a:ext uri="{FF2B5EF4-FFF2-40B4-BE49-F238E27FC236}">
+                <a16:creationId xmlns:a16="http://schemas.microsoft.com/office/drawing/2014/main" id="{809772F4-76CA-21BF-59AC-0704773FC383}"/>
+              </a:ext>
+            </a:extLst>
+          </p:cNvPr>
+          <p:cNvSpPr txBox="1"/>
+          <p:nvPr/>
+        </p:nvSpPr>
+        <p:spPr>
+          <a:xfrm>
+            <a:off x="727650" y="1380313"/>
+            <a:ext cx="7688700" cy="3153171"/>
+          </a:xfrm>
+          <a:prstGeom prst="rect">
+            <a:avLst/>
+          </a:prstGeom>
+          <a:noFill/>
+        </p:spPr>
+        <p:txBody>
+          <a:bodyPr wrap="square">
+            <a:spAutoFit/>
+          </a:bodyPr>
+          <a:lstStyle/>
+          <a:p>
+            <a:r>
+              <a:rPr lang="en-US" sz="1385" b="1" dirty="0">
+                <a:latin typeface="Lato"/>
+                <a:ea typeface="Lato"/>
+                <a:cs typeface="Lato"/>
+              </a:rPr>
+              <a:t>How to Use It:</a:t>
+            </a:r>
+          </a:p>
+          <a:p>
+            <a:endParaRPr lang="en-US" sz="600" b="1" dirty="0">
+              <a:latin typeface="Lato"/>
+              <a:ea typeface="Lato"/>
+              <a:cs typeface="Lato"/>
+            </a:endParaRPr>
+          </a:p>
+          <a:p>
+            <a:pPr marL="342900" indent="-342900">
+              <a:buFont typeface="Arial" panose="020B0604020202020204" pitchFamily="34" charset="0"/>
+              <a:buChar char="•"/>
+            </a:pPr>
+            <a:r>
+              <a:rPr lang="en-US" sz="1385" b="1" dirty="0">
+                <a:latin typeface="Lato"/>
+                <a:ea typeface="Lato"/>
+                <a:cs typeface="Lato"/>
+              </a:rPr>
+              <a:t>Define Clear Objectives </a:t>
+            </a:r>
+            <a:r>
+              <a:rPr lang="en-US" sz="1385" dirty="0">
+                <a:latin typeface="Lato"/>
+                <a:ea typeface="Lato"/>
+                <a:cs typeface="Lato"/>
+              </a:rPr>
+              <a:t>- Determine your motivation by exploring the four pillars of cloud-native applications (methodology, automation, modularity, infrastructure) and align with business goals.</a:t>
+            </a:r>
+          </a:p>
+          <a:p>
+            <a:pPr marL="342900" indent="-342900">
+              <a:buFont typeface="Arial" panose="020B0604020202020204" pitchFamily="34" charset="0"/>
+              <a:buChar char="•"/>
+            </a:pPr>
+            <a:r>
+              <a:rPr lang="en-US" sz="1385" b="1" dirty="0">
+                <a:latin typeface="Lato"/>
+                <a:ea typeface="Lato"/>
+                <a:cs typeface="Lato"/>
+              </a:rPr>
+              <a:t>Create Application Portfolio </a:t>
+            </a:r>
+            <a:r>
+              <a:rPr lang="en-US" sz="1385" dirty="0">
+                <a:latin typeface="Lato"/>
+                <a:ea typeface="Lato"/>
+                <a:cs typeface="Lato"/>
+              </a:rPr>
+              <a:t>- Document all applications including their purpose, dependencies, data flows, and interconnections to serve as your migration roadmap.</a:t>
+            </a:r>
+          </a:p>
+          <a:p>
+            <a:pPr marL="342900" indent="-342900">
+              <a:buFont typeface="Arial" panose="020B0604020202020204" pitchFamily="34" charset="0"/>
+              <a:buChar char="•"/>
+            </a:pPr>
+            <a:r>
+              <a:rPr lang="en-US" sz="1385" b="1" dirty="0">
+                <a:latin typeface="Lato"/>
+                <a:ea typeface="Lato"/>
+                <a:cs typeface="Lato"/>
+              </a:rPr>
+              <a:t>Choose Migration Strategy </a:t>
+            </a:r>
+            <a:r>
+              <a:rPr lang="en-US" sz="1385" dirty="0">
+                <a:latin typeface="Lato"/>
+                <a:ea typeface="Lato"/>
+                <a:cs typeface="Lato"/>
+              </a:rPr>
+              <a:t>- Select appropriate approach for each application (rehost, re-platform, refactor, retire, etc.) based on complexity, dependencies, and business requirements.</a:t>
+            </a:r>
+          </a:p>
+          <a:p>
+            <a:pPr marL="342900" indent="-342900">
+              <a:buFont typeface="Arial" panose="020B0604020202020204" pitchFamily="34" charset="0"/>
+              <a:buChar char="•"/>
+            </a:pPr>
+            <a:r>
+              <a:rPr lang="en-US" sz="1385" b="1" dirty="0">
+                <a:latin typeface="Lato"/>
+                <a:ea typeface="Lato"/>
+                <a:cs typeface="Lato"/>
+              </a:rPr>
+              <a:t>Conduct Detailed Architecture Analysis </a:t>
+            </a:r>
+            <a:r>
+              <a:rPr lang="en-US" sz="1385" dirty="0">
+                <a:latin typeface="Lato"/>
+                <a:ea typeface="Lato"/>
+                <a:cs typeface="Lato"/>
+              </a:rPr>
+              <a:t>- Analyze infrastructure components, identify improvement areas, and determine if containerization or microservices would enhance performance.</a:t>
+            </a:r>
+          </a:p>
+          <a:p>
+            <a:pPr marL="342900" indent="-342900">
+              <a:buFont typeface="Arial" panose="020B0604020202020204" pitchFamily="34" charset="0"/>
+              <a:buChar char="•"/>
+            </a:pPr>
+            <a:r>
+              <a:rPr lang="en-US" sz="1385" b="1" dirty="0">
+                <a:latin typeface="Lato"/>
+                <a:ea typeface="Lato"/>
+                <a:cs typeface="Lato"/>
+              </a:rPr>
+              <a:t>Execute and Monitor </a:t>
+            </a:r>
+            <a:r>
+              <a:rPr lang="en-US" sz="1385" dirty="0">
+                <a:latin typeface="Lato"/>
+                <a:ea typeface="Lato"/>
+                <a:cs typeface="Lato"/>
+              </a:rPr>
+              <a:t>- Implement the migration plan while remaining flexible, continuously monitor progress, gather lessons learned, and optimize applications post-migration.</a:t>
+            </a:r>
+          </a:p>
+        </p:txBody>
+      </p:sp>
+    </p:spTree>
+    <p:extLst>
+      <p:ext uri="{BB962C8B-B14F-4D97-AF65-F5344CB8AC3E}">
+        <p14:creationId xmlns:p14="http://schemas.microsoft.com/office/powerpoint/2010/main" val="1569194158"/>
       </p:ext>
     </p:extLst>
   </p:cSld>
@@ -19857,7 +20786,27 @@
                 <a:latin typeface="Times New Roman" panose="02020603050405020304" pitchFamily="18" charset="0"/>
                 <a:cs typeface="Times New Roman" panose="02020603050405020304" pitchFamily="18" charset="0"/>
               </a:rPr>
-              <a:t>There are four categories of wrappers:</a:t>
+              <a:t>There are </a:t>
+            </a:r>
+            <a:r>
+              <a:rPr lang="en" sz="1100" dirty="0">
+                <a:solidFill>
+                  <a:srgbClr val="0070C0"/>
+                </a:solidFill>
+                <a:latin typeface="Times New Roman" panose="02020603050405020304" pitchFamily="18" charset="0"/>
+                <a:cs typeface="Times New Roman" panose="02020603050405020304" pitchFamily="18" charset="0"/>
+              </a:rPr>
+              <a:t>four</a:t>
+            </a:r>
+            <a:r>
+              <a:rPr lang="en" sz="1100" dirty="0">
+                <a:solidFill>
+                  <a:srgbClr val="000000"/>
+                </a:solidFill>
+                <a:latin typeface="Times New Roman" panose="02020603050405020304" pitchFamily="18" charset="0"/>
+                <a:cs typeface="Times New Roman" panose="02020603050405020304" pitchFamily="18" charset="0"/>
+              </a:rPr>
+              <a:t> categories of wrappers:</a:t>
             </a:r>
           </a:p>
           <a:p>
